--- a/Reference/ONBSPresentation.pptx
+++ b/Reference/ONBSPresentation.pptx
@@ -5,7 +5,7 @@
     <p:sldMasterId id="2147483715" r:id="rId1"/>
   </p:sldMasterIdLst>
   <p:notesMasterIdLst>
-    <p:notesMasterId r:id="rId14"/>
+    <p:notesMasterId r:id="rId12"/>
   </p:notesMasterIdLst>
   <p:sldIdLst>
     <p:sldId id="256" r:id="rId2"/>
@@ -14,12 +14,10 @@
     <p:sldId id="258" r:id="rId5"/>
     <p:sldId id="259" r:id="rId6"/>
     <p:sldId id="263" r:id="rId7"/>
-    <p:sldId id="267" r:id="rId8"/>
-    <p:sldId id="266" r:id="rId9"/>
-    <p:sldId id="265" r:id="rId10"/>
-    <p:sldId id="262" r:id="rId11"/>
-    <p:sldId id="260" r:id="rId12"/>
-    <p:sldId id="268" r:id="rId13"/>
+    <p:sldId id="265" r:id="rId8"/>
+    <p:sldId id="262" r:id="rId9"/>
+    <p:sldId id="260" r:id="rId10"/>
+    <p:sldId id="268" r:id="rId11"/>
   </p:sldIdLst>
   <p:sldSz cx="12192000" cy="6858000"/>
   <p:notesSz cx="6858000" cy="9144000"/>
@@ -120,7 +118,18 @@
   </p:defaultTextStyle>
   <p:extLst>
     <p:ext uri="{EFAFB233-063F-42B5-8137-9DF3F51BA10A}">
-      <p15:sldGuideLst xmlns="" xmlns:p15="http://schemas.microsoft.com/office/powerpoint/2012/main"/>
+      <p15:sldGuideLst xmlns:p15="http://schemas.microsoft.com/office/powerpoint/2012/main">
+        <p15:guide id="1" orient="horz" pos="2160">
+          <p15:clr>
+            <a:srgbClr val="A4A3A4"/>
+          </p15:clr>
+        </p15:guide>
+        <p15:guide id="2" pos="3840">
+          <p15:clr>
+            <a:srgbClr val="A4A3A4"/>
+          </p15:clr>
+        </p15:guide>
+      </p15:sldGuideLst>
     </p:ext>
   </p:extLst>
 </p:presentation>
@@ -209,7 +218,7 @@
             <a:fld id="{8CD301F6-29D6-4C1A-9832-7F7F95D75BE5}" type="datetimeFigureOut">
               <a:rPr lang="en-US" smtClean="0"/>
               <a:pPr/>
-              <a:t>4/20/2014</a:t>
+              <a:t>6/18/2014</a:t>
             </a:fld>
             <a:endParaRPr lang="en-US"/>
           </a:p>
@@ -378,7 +387,7 @@
     </p:spTree>
     <p:extLst>
       <p:ext uri="{BB962C8B-B14F-4D97-AF65-F5344CB8AC3E}">
-        <p14:creationId xmlns="" xmlns:p14="http://schemas.microsoft.com/office/powerpoint/2010/main" val="1323304432"/>
+        <p14:creationId xmlns:p14="http://schemas.microsoft.com/office/powerpoint/2010/main" val="1323304432"/>
       </p:ext>
     </p:extLst>
   </p:cSld>
@@ -553,7 +562,7 @@
     </p:spTree>
     <p:extLst>
       <p:ext uri="{BB962C8B-B14F-4D97-AF65-F5344CB8AC3E}">
-        <p14:creationId xmlns="" xmlns:p14="http://schemas.microsoft.com/office/powerpoint/2010/main" val="2088535231"/>
+        <p14:creationId xmlns:p14="http://schemas.microsoft.com/office/powerpoint/2010/main" val="2088535231"/>
       </p:ext>
     </p:extLst>
   </p:cSld>
@@ -638,7 +647,7 @@
     </p:spTree>
     <p:extLst>
       <p:ext uri="{BB962C8B-B14F-4D97-AF65-F5344CB8AC3E}">
-        <p14:creationId xmlns="" xmlns:p14="http://schemas.microsoft.com/office/powerpoint/2010/main" val="3469705958"/>
+        <p14:creationId xmlns:p14="http://schemas.microsoft.com/office/powerpoint/2010/main" val="3469705958"/>
       </p:ext>
     </p:extLst>
   </p:cSld>
@@ -760,7 +769,7 @@
             <a:fld id="{D0F10CCD-6CE0-44B6-AFEC-FDCBAF0E16B4}" type="datetime1">
               <a:rPr lang="en-US" smtClean="0"/>
               <a:pPr/>
-              <a:t>4/20/2014</a:t>
+              <a:t>6/18/2014</a:t>
             </a:fld>
             <a:endParaRPr lang="en-US" dirty="0"/>
           </a:p>
@@ -988,7 +997,7 @@
             <a:fld id="{A2A96E43-3640-46AC-B68B-12E6617C1924}" type="datetime1">
               <a:rPr lang="en-US" smtClean="0"/>
               <a:pPr/>
-              <a:t>4/20/2014</a:t>
+              <a:t>6/18/2014</a:t>
             </a:fld>
             <a:endParaRPr lang="en-US" dirty="0"/>
           </a:p>
@@ -1165,7 +1174,7 @@
             <a:fld id="{60551F06-4A4B-4B67-B6AB-B83ED6310B21}" type="datetime1">
               <a:rPr lang="en-US" smtClean="0"/>
               <a:pPr/>
-              <a:t>4/20/2014</a:t>
+              <a:t>6/18/2014</a:t>
             </a:fld>
             <a:endParaRPr lang="en-US" dirty="0"/>
           </a:p>
@@ -1332,7 +1341,7 @@
             <a:fld id="{645B05CE-06E6-4BD3-BE4F-1590C0B8500A}" type="datetime1">
               <a:rPr lang="en-US" smtClean="0"/>
               <a:pPr/>
-              <a:t>4/20/2014</a:t>
+              <a:t>6/18/2014</a:t>
             </a:fld>
             <a:endParaRPr lang="en-US" dirty="0"/>
           </a:p>
@@ -1578,7 +1587,7 @@
             <a:fld id="{B2008E48-649F-4EEC-A8C3-8BEAFF90A6CC}" type="datetime1">
               <a:rPr lang="en-US" smtClean="0"/>
               <a:pPr/>
-              <a:t>4/20/2014</a:t>
+              <a:t>6/18/2014</a:t>
             </a:fld>
             <a:endParaRPr lang="en-US" dirty="0"/>
           </a:p>
@@ -1844,7 +1853,7 @@
             <a:fld id="{C3BCBF62-D4F4-49CA-9C14-6CE708E50898}" type="datetime1">
               <a:rPr lang="en-US" smtClean="0"/>
               <a:pPr/>
-              <a:t>4/20/2014</a:t>
+              <a:t>6/18/2014</a:t>
             </a:fld>
             <a:endParaRPr lang="en-US" dirty="0"/>
           </a:p>
@@ -2220,7 +2229,7 @@
             <a:fld id="{4CE97C23-0C4A-48FF-988A-F7800F0BF3F7}" type="datetime1">
               <a:rPr lang="en-US" smtClean="0"/>
               <a:pPr/>
-              <a:t>4/20/2014</a:t>
+              <a:t>6/18/2014</a:t>
             </a:fld>
             <a:endParaRPr lang="en-US" dirty="0"/>
           </a:p>
@@ -2335,7 +2344,7 @@
             <a:fld id="{412D2D4C-D748-4F6C-9E5D-736625D24662}" type="datetime1">
               <a:rPr lang="en-US" smtClean="0"/>
               <a:pPr/>
-              <a:t>4/20/2014</a:t>
+              <a:t>6/18/2014</a:t>
             </a:fld>
             <a:endParaRPr lang="en-US" dirty="0"/>
           </a:p>
@@ -2427,7 +2436,7 @@
             <a:fld id="{21CCB1FC-0190-436A-A599-F972EA80C156}" type="datetime1">
               <a:rPr lang="en-US" smtClean="0"/>
               <a:pPr/>
-              <a:t>4/20/2014</a:t>
+              <a:t>6/18/2014</a:t>
             </a:fld>
             <a:endParaRPr lang="en-US" dirty="0"/>
           </a:p>
@@ -2687,7 +2696,7 @@
             <a:fld id="{F5783894-5A7C-41A9-AA4C-41DA44F7150F}" type="datetime1">
               <a:rPr lang="en-US" smtClean="0"/>
               <a:pPr/>
-              <a:t>4/20/2014</a:t>
+              <a:t>6/18/2014</a:t>
             </a:fld>
             <a:endParaRPr lang="en-US" dirty="0"/>
           </a:p>
@@ -2953,7 +2962,7 @@
             <a:fld id="{CC517C7B-5F95-4576-BC41-573243C3D8C9}" type="datetime1">
               <a:rPr lang="en-US" smtClean="0"/>
               <a:pPr/>
-              <a:t>4/20/2014</a:t>
+              <a:t>6/18/2014</a:t>
             </a:fld>
             <a:endParaRPr lang="en-US" dirty="0"/>
           </a:p>
@@ -3172,7 +3181,7 @@
             <a:fld id="{FA0B5FEA-F59B-448B-BC1E-6B8FEEE8ABE1}" type="datetime1">
               <a:rPr lang="en-US" smtClean="0"/>
               <a:pPr/>
-              <a:t>4/20/2014</a:t>
+              <a:t>6/18/2014</a:t>
             </a:fld>
             <a:endParaRPr lang="en-US" dirty="0"/>
           </a:p>
@@ -3639,14 +3648,17 @@
           <a:p>
             <a:r>
               <a:rPr lang="en-US" sz="2000" b="1" dirty="0" smtClean="0"/>
-              <a:t>ONLINE NOTICE BOARD SYSTEM</a:t>
-            </a:r>
-            <a:endParaRPr lang="en-US" sz="2000" dirty="0" smtClean="0"/>
-          </a:p>
-          <a:p>
+              <a:t>ONLINE </a:t>
+            </a:r>
             <a:r>
               <a:rPr lang="en-US" sz="2000" b="1" dirty="0" smtClean="0"/>
-              <a:t>(ONBS)</a:t>
+              <a:t>BLOOD DONATION</a:t>
+            </a:r>
+          </a:p>
+          <a:p>
+            <a:r>
+              <a:rPr lang="en-US" sz="2000" b="1" dirty="0" smtClean="0"/>
+              <a:t>(OBD)</a:t>
             </a:r>
             <a:endParaRPr lang="en-US" sz="2000" dirty="0" smtClean="0"/>
           </a:p>
@@ -3665,36 +3677,6 @@
           </a:p>
         </p:txBody>
       </p:sp>
-      <p:pic>
-        <p:nvPicPr>
-          <p:cNvPr id="5" name="Picture 4"/>
-          <p:cNvPicPr/>
-          <p:nvPr/>
-        </p:nvPicPr>
-        <p:blipFill>
-          <a:blip r:embed="rId3">
-            <a:extLst>
-              <a:ext uri="{28A0092B-C50C-407E-A947-70E740481C1C}">
-                <a14:useLocalDpi xmlns:lc="http://schemas.openxmlformats.org/drawingml/2006/lockedCanvas" xmlns:pic="http://schemas.openxmlformats.org/drawingml/2006/picture" xmlns="" xmlns:wpc="http://schemas.microsoft.com/office/word/2010/wordprocessingCanvas" xmlns:mo="http://schemas.microsoft.com/office/mac/office/2008/main" xmlns:mc="http://schemas.openxmlformats.org/markup-compatibility/2006" xmlns:mv="urn:schemas-microsoft-com:mac:vml" xmlns:o="urn:schemas-microsoft-com:office:office" xmlns:v="urn:schemas-microsoft-com:vml" xmlns:wp14="http://schemas.microsoft.com/office/word/2010/wordprocessingDrawing" xmlns:w10="urn:schemas-microsoft-com:office:word" xmlns:w="http://schemas.openxmlformats.org/wordprocessingml/2006/main" xmlns:w14="http://schemas.microsoft.com/office/word/2010/wordml" xmlns:wpg="http://schemas.microsoft.com/office/word/2010/wordprocessingGroup" xmlns:wpi="http://schemas.microsoft.com/office/word/2010/wordprocessingInk" xmlns:wps="http://schemas.microsoft.com/office/word/2010/wordprocessingShape" xmlns:a14="http://schemas.microsoft.com/office/drawing/2010/main" xmlns:wne="http://schemas.microsoft.com/office/word/2006/wordml" xmlns:wp="http://schemas.openxmlformats.org/drawingml/2006/wordprocessingDrawing" xmlns:m="http://schemas.openxmlformats.org/officeDocument/2006/math" xmlns:ve="http://schemas.openxmlformats.org/markup-compatibility/2006" val="0"/>
-              </a:ext>
-            </a:extLst>
-          </a:blip>
-          <a:srcRect/>
-          <a:stretch>
-            <a:fillRect/>
-          </a:stretch>
-        </p:blipFill>
-        <p:spPr bwMode="auto">
-          <a:xfrm>
-            <a:off x="4611189" y="182880"/>
-            <a:ext cx="3500845" cy="2899954"/>
-          </a:xfrm>
-          <a:prstGeom prst="rect">
-            <a:avLst/>
-          </a:prstGeom>
-          <a:noFill/>
-        </p:spPr>
-      </p:pic>
       <p:sp>
         <p:nvSpPr>
           <p:cNvPr id="8" name="Title 7"/>
@@ -3718,57 +3700,46 @@
           <a:lstStyle/>
           <a:p>
             <a:r>
-              <a:rPr lang="en-US" sz="1800" dirty="0" smtClean="0">
-                <a:solidFill>
-                  <a:schemeClr val="accent5">
-                    <a:lumMod val="75000"/>
-                  </a:schemeClr>
-                </a:solidFill>
+              <a:rPr lang="en-US" sz="1800" dirty="0">
                 <a:effectLst/>
-              </a:rPr>
-              <a:t>Department of Undergraduate Studies </a:t>
+                <a:hlinkClick r:id="rId3"/>
+              </a:rPr>
+              <a:t>Tulips Technologies</a:t>
+            </a:r>
+            <a:r>
+              <a:rPr lang="en-US" sz="1800" b="0" dirty="0">
+                <a:effectLst/>
+              </a:rPr>
+              <a:t/>
             </a:r>
             <a:br>
-              <a:rPr lang="en-US" sz="1800" dirty="0" smtClean="0">
-                <a:solidFill>
-                  <a:schemeClr val="accent5">
-                    <a:lumMod val="75000"/>
-                  </a:schemeClr>
-                </a:solidFill>
+              <a:rPr lang="en-US" sz="1800" b="0" dirty="0">
                 <a:effectLst/>
               </a:rPr>
             </a:br>
             <a:r>
-              <a:rPr lang="en-US" sz="1800" dirty="0" smtClean="0">
-                <a:solidFill>
-                  <a:schemeClr val="accent5">
-                    <a:lumMod val="75000"/>
-                  </a:schemeClr>
-                </a:solidFill>
+              <a:rPr lang="en-US" sz="1800" b="0" dirty="0">
                 <a:effectLst/>
               </a:rPr>
-              <a:t>NEPAL COLLEGE OF INFORMATION TECHNOLOGY </a:t>
-            </a:r>
-            <a:br>
-              <a:rPr lang="en-US" sz="1800" dirty="0" smtClean="0">
-                <a:solidFill>
-                  <a:schemeClr val="accent5">
-                    <a:lumMod val="75000"/>
-                  </a:schemeClr>
-                </a:solidFill>
+              <a:t>New </a:t>
+            </a:r>
+            <a:r>
+              <a:rPr lang="en-US" sz="1800" b="0" dirty="0" err="1">
                 <a:effectLst/>
               </a:rPr>
-            </a:br>
-            <a:r>
-              <a:rPr lang="en-US" sz="1800" dirty="0" smtClean="0">
-                <a:solidFill>
-                  <a:schemeClr val="accent5">
-                    <a:lumMod val="75000"/>
-                  </a:schemeClr>
-                </a:solidFill>
+              <a:t>Baneshwor</a:t>
+            </a:r>
+            <a:r>
+              <a:rPr lang="en-US" sz="1800" b="0" dirty="0">
                 <a:effectLst/>
               </a:rPr>
-              <a:t>Balkumari, Lalitpur, Nepal</a:t>
+              <a:t> Rd, </a:t>
+            </a:r>
+            <a:r>
+              <a:rPr lang="en-US" sz="1800" b="0" dirty="0" smtClean="0">
+                <a:effectLst/>
+              </a:rPr>
+              <a:t>Kathmandu, Nepal</a:t>
             </a:r>
             <a:endParaRPr lang="en-US" sz="1800" dirty="0">
               <a:solidFill>
@@ -3789,8 +3760,8 @@
         </p:nvSpPr>
         <p:spPr>
           <a:xfrm>
-            <a:off x="7837714" y="4820193"/>
-            <a:ext cx="4180114" cy="1754326"/>
+            <a:off x="8515530" y="4820193"/>
+            <a:ext cx="3502297" cy="2123658"/>
           </a:xfrm>
           <a:prstGeom prst="rect">
             <a:avLst/>
@@ -3805,7 +3776,7 @@
           <a:p>
             <a:pPr algn="ctr"/>
             <a:r>
-              <a:rPr lang="en-US" dirty="0" smtClean="0">
+              <a:rPr lang="en-US" sz="2400" b="1" dirty="0" smtClean="0">
                 <a:solidFill>
                   <a:srgbClr val="0070C0"/>
                 </a:solidFill>
@@ -3813,52 +3784,154 @@
               <a:t>Submitted</a:t>
             </a:r>
             <a:r>
-              <a:rPr lang="en-US" dirty="0" smtClean="0"/>
+              <a:rPr lang="en-US" sz="2400" b="1" dirty="0" smtClean="0"/>
               <a:t> </a:t>
             </a:r>
             <a:r>
-              <a:rPr lang="en-US" dirty="0" smtClean="0">
+              <a:rPr lang="en-US" sz="2400" b="1" dirty="0" smtClean="0">
                 <a:solidFill>
                   <a:srgbClr val="0070C0"/>
                 </a:solidFill>
               </a:rPr>
               <a:t>By</a:t>
             </a:r>
+          </a:p>
+          <a:p>
+            <a:pPr marL="285750" indent="-285750" algn="just">
+              <a:buFont typeface="Arial" panose="020B0604020202020204" pitchFamily="34" charset="0"/>
+              <a:buChar char="•"/>
+            </a:pPr>
+            <a:r>
+              <a:rPr lang="en-US" b="1" dirty="0" err="1" smtClean="0">
+                <a:solidFill>
+                  <a:srgbClr val="0070C0"/>
+                </a:solidFill>
+              </a:rPr>
+              <a:t>Bibek</a:t>
+            </a:r>
+            <a:r>
+              <a:rPr lang="en-US" b="1" dirty="0" smtClean="0">
+                <a:solidFill>
+                  <a:srgbClr val="0070C0"/>
+                </a:solidFill>
+              </a:rPr>
+              <a:t> Chaudhary</a:t>
+            </a:r>
+          </a:p>
+          <a:p>
+            <a:pPr marL="285750" indent="-285750" algn="just">
+              <a:buFont typeface="Arial" panose="020B0604020202020204" pitchFamily="34" charset="0"/>
+              <a:buChar char="•"/>
+            </a:pPr>
+            <a:r>
+              <a:rPr lang="en-US" b="1" dirty="0" err="1" smtClean="0">
+                <a:solidFill>
+                  <a:srgbClr val="0070C0"/>
+                </a:solidFill>
+              </a:rPr>
+              <a:t>Subash</a:t>
+            </a:r>
+            <a:r>
+              <a:rPr lang="en-US" b="1" dirty="0" smtClean="0">
+                <a:solidFill>
+                  <a:srgbClr val="0070C0"/>
+                </a:solidFill>
+              </a:rPr>
+              <a:t> </a:t>
+            </a:r>
+            <a:r>
+              <a:rPr lang="en-US" b="1" dirty="0" err="1" smtClean="0">
+                <a:solidFill>
+                  <a:srgbClr val="0070C0"/>
+                </a:solidFill>
+              </a:rPr>
+              <a:t>Adhikari</a:t>
+            </a:r>
+            <a:endParaRPr lang="en-US" b="1" dirty="0" smtClean="0">
+              <a:solidFill>
+                <a:srgbClr val="0070C0"/>
+              </a:solidFill>
+            </a:endParaRPr>
+          </a:p>
+          <a:p>
+            <a:pPr marL="285750" indent="-285750" algn="just">
+              <a:buFont typeface="Arial" panose="020B0604020202020204" pitchFamily="34" charset="0"/>
+              <a:buChar char="•"/>
+            </a:pPr>
+            <a:r>
+              <a:rPr lang="en-US" b="1" dirty="0" smtClean="0">
+                <a:solidFill>
+                  <a:srgbClr val="0070C0"/>
+                </a:solidFill>
+              </a:rPr>
+              <a:t>Samir </a:t>
+            </a:r>
+            <a:r>
+              <a:rPr lang="en-US" b="1" dirty="0" err="1" smtClean="0">
+                <a:solidFill>
+                  <a:srgbClr val="0070C0"/>
+                </a:solidFill>
+              </a:rPr>
+              <a:t>Maharjan</a:t>
+            </a:r>
+            <a:endParaRPr lang="en-US" b="1" dirty="0" smtClean="0">
+              <a:solidFill>
+                <a:srgbClr val="0070C0"/>
+              </a:solidFill>
+            </a:endParaRPr>
+          </a:p>
+          <a:p>
+            <a:pPr marL="285750" indent="-285750" algn="just">
+              <a:buFont typeface="Arial" panose="020B0604020202020204" pitchFamily="34" charset="0"/>
+              <a:buChar char="•"/>
+            </a:pPr>
+            <a:r>
+              <a:rPr lang="en-US" b="1" dirty="0" err="1" smtClean="0">
+                <a:solidFill>
+                  <a:srgbClr val="0070C0"/>
+                </a:solidFill>
+              </a:rPr>
+              <a:t>Navin</a:t>
+            </a:r>
+            <a:r>
+              <a:rPr lang="en-US" b="1" dirty="0" smtClean="0">
+                <a:solidFill>
+                  <a:srgbClr val="0070C0"/>
+                </a:solidFill>
+              </a:rPr>
+              <a:t> </a:t>
+            </a:r>
+            <a:r>
+              <a:rPr lang="en-US" b="1" dirty="0" err="1" smtClean="0">
+                <a:solidFill>
+                  <a:srgbClr val="0070C0"/>
+                </a:solidFill>
+              </a:rPr>
+              <a:t>Bhatrai</a:t>
+            </a:r>
+            <a:endParaRPr lang="en-US" b="1" dirty="0" smtClean="0">
+              <a:solidFill>
+                <a:srgbClr val="0070C0"/>
+              </a:solidFill>
+            </a:endParaRPr>
+          </a:p>
+          <a:p>
+            <a:pPr marL="285750" indent="-285750" algn="just">
+              <a:buFont typeface="Arial" panose="020B0604020202020204" pitchFamily="34" charset="0"/>
+              <a:buChar char="•"/>
+            </a:pPr>
+            <a:r>
+              <a:rPr lang="en-US" b="1" dirty="0" smtClean="0">
+                <a:solidFill>
+                  <a:srgbClr val="0070C0"/>
+                </a:solidFill>
+              </a:rPr>
+              <a:t>Sumit Bajracharya</a:t>
+            </a:r>
             <a:endParaRPr lang="en-US" b="1" dirty="0" smtClean="0"/>
           </a:p>
           <a:p>
-            <a:pPr algn="ctr"/>
-            <a:r>
-              <a:rPr lang="en-US" b="1" dirty="0" smtClean="0"/>
-              <a:t>Avash Lal Shrestha, 10406</a:t>
-            </a:r>
-            <a:endParaRPr lang="en-US" dirty="0" smtClean="0"/>
-          </a:p>
-          <a:p>
-            <a:pPr algn="ctr"/>
-            <a:r>
-              <a:rPr lang="en-US" b="1" dirty="0" smtClean="0"/>
-              <a:t>Bibek Chaudhary, 10409</a:t>
-            </a:r>
-            <a:endParaRPr lang="en-US" dirty="0" smtClean="0"/>
-          </a:p>
-          <a:p>
-            <a:pPr algn="ctr"/>
-            <a:r>
-              <a:rPr lang="en-US" b="1" dirty="0" smtClean="0"/>
-              <a:t>Sunny Kumar Tamang, 10443</a:t>
-            </a:r>
-            <a:endParaRPr lang="en-US" dirty="0" smtClean="0"/>
-          </a:p>
-          <a:p>
-            <a:pPr algn="ctr"/>
-            <a:r>
-              <a:rPr lang="en-US" b="1" dirty="0" smtClean="0"/>
-              <a:t>Sandhya Gurung, 10437</a:t>
-            </a:r>
-            <a:endParaRPr lang="en-US" dirty="0" smtClean="0"/>
-          </a:p>
-          <a:p>
+            <a:pPr algn="just"/>
             <a:endParaRPr lang="en-US" dirty="0"/>
           </a:p>
         </p:txBody>
@@ -3866,7 +3939,7 @@
     </p:spTree>
     <p:extLst>
       <p:ext uri="{BB962C8B-B14F-4D97-AF65-F5344CB8AC3E}">
-        <p14:creationId xmlns="" xmlns:p14="http://schemas.microsoft.com/office/powerpoint/2010/main" val="176143053"/>
+        <p14:creationId xmlns:p14="http://schemas.microsoft.com/office/powerpoint/2010/main" val="176143053"/>
       </p:ext>
     </p:extLst>
   </p:cSld>
@@ -3902,162 +3975,6 @@
       </p:grpSpPr>
       <p:sp>
         <p:nvSpPr>
-          <p:cNvPr id="2" name="Title 1"/>
-          <p:cNvSpPr>
-            <a:spLocks noGrp="1"/>
-          </p:cNvSpPr>
-          <p:nvPr>
-            <p:ph type="title"/>
-          </p:nvPr>
-        </p:nvSpPr>
-        <p:spPr>
-          <a:xfrm>
-            <a:off x="1585911" y="0"/>
-            <a:ext cx="10018713" cy="1752599"/>
-          </a:xfrm>
-        </p:spPr>
-        <p:txBody>
-          <a:bodyPr/>
-          <a:lstStyle/>
-          <a:p>
-            <a:r>
-              <a:rPr lang="en-US" b="1" dirty="0" smtClean="0">
-                <a:solidFill>
-                  <a:schemeClr val="accent4">
-                    <a:lumMod val="75000"/>
-                  </a:schemeClr>
-                </a:solidFill>
-                <a:latin typeface="Century Gothic" panose="020B0502020202020204" pitchFamily="34" charset="0"/>
-              </a:rPr>
-              <a:t>References</a:t>
-            </a:r>
-            <a:endParaRPr lang="en-US" b="1" dirty="0">
-              <a:solidFill>
-                <a:schemeClr val="accent4">
-                  <a:lumMod val="75000"/>
-                </a:schemeClr>
-              </a:solidFill>
-              <a:latin typeface="Century Gothic" panose="020B0502020202020204" pitchFamily="34" charset="0"/>
-            </a:endParaRPr>
-          </a:p>
-        </p:txBody>
-      </p:sp>
-      <p:sp>
-        <p:nvSpPr>
-          <p:cNvPr id="3" name="Content Placeholder 2"/>
-          <p:cNvSpPr>
-            <a:spLocks noGrp="1"/>
-          </p:cNvSpPr>
-          <p:nvPr>
-            <p:ph idx="1"/>
-          </p:nvPr>
-        </p:nvSpPr>
-        <p:spPr>
-          <a:xfrm>
-            <a:off x="1585911" y="2425699"/>
-            <a:ext cx="10018713" cy="3124201"/>
-          </a:xfrm>
-        </p:spPr>
-        <p:txBody>
-          <a:bodyPr>
-            <a:normAutofit fontScale="92500" lnSpcReduction="10000"/>
-          </a:bodyPr>
-          <a:lstStyle/>
-          <a:p>
-            <a:pPr lvl="0"/>
-            <a:r>
-              <a:rPr lang="en-US" dirty="0" smtClean="0"/>
-              <a:t>http://www.asp.net/web-forms/tutorials</a:t>
-            </a:r>
-          </a:p>
-          <a:p>
-            <a:pPr lvl="0"/>
-            <a:r>
-              <a:rPr lang="en-US" dirty="0" smtClean="0"/>
-              <a:t>http://www.tutorialspoint.com/asp.net</a:t>
-            </a:r>
-          </a:p>
-          <a:p>
-            <a:pPr lvl="0"/>
-            <a:r>
-              <a:rPr lang="en-US" dirty="0" smtClean="0"/>
-              <a:t>http://www.w3school.com</a:t>
-            </a:r>
-          </a:p>
-          <a:p>
-            <a:pPr lvl="0"/>
-            <a:r>
-              <a:rPr lang="en-US" dirty="0" smtClean="0"/>
-              <a:t>Asp.net for Dummies</a:t>
-            </a:r>
-          </a:p>
-          <a:p>
-            <a:pPr lvl="0"/>
-            <a:r>
-              <a:rPr lang="en-US" dirty="0" smtClean="0"/>
-              <a:t>jQuery for Dummies</a:t>
-            </a:r>
-          </a:p>
-          <a:p>
-            <a:pPr lvl="0"/>
-            <a:r>
-              <a:rPr lang="en-US" dirty="0" smtClean="0"/>
-              <a:t>XHTML and CSS for Dummies</a:t>
-            </a:r>
-          </a:p>
-          <a:p>
-            <a:pPr lvl="0"/>
-            <a:r>
-              <a:rPr lang="en-US" dirty="0" smtClean="0"/>
-              <a:t>https://www.youtube.com/user/kudvenkat</a:t>
-            </a:r>
-            <a:endParaRPr lang="en-US" sz="2800" dirty="0">
-              <a:effectLst>
-                <a:outerShdw blurRad="38100" dist="38100" dir="2700000" algn="tl">
-                  <a:srgbClr val="000000">
-                    <a:alpha val="43137"/>
-                  </a:srgbClr>
-                </a:outerShdw>
-              </a:effectLst>
-              <a:latin typeface="Century Gothic" panose="020B0502020202020204" pitchFamily="34" charset="0"/>
-            </a:endParaRPr>
-          </a:p>
-          <a:p>
-            <a:pPr>
-              <a:buFont typeface="Wingdings" panose="05000000000000000000" pitchFamily="2" charset="2"/>
-              <a:buChar char="v"/>
-            </a:pPr>
-            <a:endParaRPr lang="en-US" sz="2800" dirty="0">
-              <a:effectLst>
-                <a:outerShdw blurRad="38100" dist="38100" dir="2700000" algn="tl">
-                  <a:srgbClr val="000000">
-                    <a:alpha val="43137"/>
-                  </a:srgbClr>
-                </a:outerShdw>
-              </a:effectLst>
-              <a:latin typeface="Century Gothic" panose="020B0502020202020204" pitchFamily="34" charset="0"/>
-            </a:endParaRPr>
-          </a:p>
-          <a:p>
-            <a:pPr>
-              <a:buFont typeface="Wingdings" panose="05000000000000000000" pitchFamily="2" charset="2"/>
-              <a:buChar char="v"/>
-            </a:pPr>
-            <a:endParaRPr lang="en-US" sz="2800" dirty="0">
-              <a:effectLst>
-                <a:outerShdw blurRad="38100" dist="38100" dir="2700000" algn="tl">
-                  <a:srgbClr val="000000">
-                    <a:alpha val="43137"/>
-                  </a:srgbClr>
-                </a:outerShdw>
-              </a:effectLst>
-              <a:latin typeface="Century Gothic" panose="020B0502020202020204" pitchFamily="34" charset="0"/>
-            </a:endParaRPr>
-          </a:p>
-        </p:txBody>
-      </p:sp>
-      <p:sp>
-        <p:nvSpPr>
           <p:cNvPr id="4" name="Slide Number Placeholder 3"/>
           <p:cNvSpPr>
             <a:spLocks noGrp="1"/>
@@ -4075,197 +3992,6 @@
               <a:rPr lang="en-US" smtClean="0"/>
               <a:pPr/>
               <a:t>10</a:t>
-            </a:fld>
-            <a:endParaRPr lang="en-US" dirty="0"/>
-          </a:p>
-        </p:txBody>
-      </p:sp>
-    </p:spTree>
-    <p:extLst>
-      <p:ext uri="{BB962C8B-B14F-4D97-AF65-F5344CB8AC3E}">
-        <p14:creationId xmlns="" xmlns:p14="http://schemas.microsoft.com/office/powerpoint/2010/main" val="2897594051"/>
-      </p:ext>
-    </p:extLst>
-  </p:cSld>
-  <p:clrMapOvr>
-    <a:masterClrMapping/>
-  </p:clrMapOvr>
-  <p:timing>
-    <p:tnLst>
-      <p:par>
-        <p:cTn id="1" dur="indefinite" restart="never" nodeType="tmRoot"/>
-      </p:par>
-    </p:tnLst>
-  </p:timing>
-</p:sld>
-</file>
-
-<file path=ppt/slides/slide11.xml><?xml version="1.0" encoding="utf-8"?>
-<p:sld xmlns:a="http://schemas.openxmlformats.org/drawingml/2006/main" xmlns:r="http://schemas.openxmlformats.org/officeDocument/2006/relationships" xmlns:p="http://schemas.openxmlformats.org/presentationml/2006/main">
-  <p:cSld>
-    <p:spTree>
-      <p:nvGrpSpPr>
-        <p:cNvPr id="1" name=""/>
-        <p:cNvGrpSpPr/>
-        <p:nvPr/>
-      </p:nvGrpSpPr>
-      <p:grpSpPr>
-        <a:xfrm>
-          <a:off x="0" y="0"/>
-          <a:ext cx="0" cy="0"/>
-          <a:chOff x="0" y="0"/>
-          <a:chExt cx="0" cy="0"/>
-        </a:xfrm>
-      </p:grpSpPr>
-      <p:sp>
-        <p:nvSpPr>
-          <p:cNvPr id="2" name="Title 1"/>
-          <p:cNvSpPr>
-            <a:spLocks noGrp="1"/>
-          </p:cNvSpPr>
-          <p:nvPr>
-            <p:ph type="title"/>
-          </p:nvPr>
-        </p:nvSpPr>
-        <p:spPr/>
-        <p:txBody>
-          <a:bodyPr/>
-          <a:lstStyle/>
-          <a:p>
-            <a:r>
-              <a:rPr lang="en-US" dirty="0" smtClean="0">
-                <a:solidFill>
-                  <a:schemeClr val="accent4">
-                    <a:lumMod val="75000"/>
-                  </a:schemeClr>
-                </a:solidFill>
-              </a:rPr>
-              <a:t>Feedback and Sugestions </a:t>
-            </a:r>
-            <a:r>
-              <a:rPr lang="en-US" dirty="0" smtClean="0">
-                <a:solidFill>
-                  <a:schemeClr val="accent4">
-                    <a:lumMod val="75000"/>
-                  </a:schemeClr>
-                </a:solidFill>
-                <a:sym typeface="Wingdings" pitchFamily="2" charset="2"/>
-              </a:rPr>
-              <a:t></a:t>
-            </a:r>
-            <a:endParaRPr lang="en-US" dirty="0">
-              <a:solidFill>
-                <a:schemeClr val="accent4">
-                  <a:lumMod val="75000"/>
-                </a:schemeClr>
-              </a:solidFill>
-            </a:endParaRPr>
-          </a:p>
-        </p:txBody>
-      </p:sp>
-      <p:pic>
-        <p:nvPicPr>
-          <p:cNvPr id="5" name="Content Placeholder 4" descr="Quill_(PSF).png"/>
-          <p:cNvPicPr>
-            <a:picLocks noGrp="1" noChangeAspect="1"/>
-          </p:cNvPicPr>
-          <p:nvPr>
-            <p:ph idx="1"/>
-          </p:nvPr>
-        </p:nvPicPr>
-        <p:blipFill>
-          <a:blip r:embed="rId2"/>
-          <a:stretch>
-            <a:fillRect/>
-          </a:stretch>
-        </p:blipFill>
-        <p:spPr>
-          <a:xfrm>
-            <a:off x="1828800" y="1384663"/>
-            <a:ext cx="8451669" cy="5212079"/>
-          </a:xfrm>
-        </p:spPr>
-      </p:pic>
-      <p:sp>
-        <p:nvSpPr>
-          <p:cNvPr id="4" name="Slide Number Placeholder 3"/>
-          <p:cNvSpPr>
-            <a:spLocks noGrp="1"/>
-          </p:cNvSpPr>
-          <p:nvPr>
-            <p:ph type="sldNum" sz="quarter" idx="12"/>
-          </p:nvPr>
-        </p:nvSpPr>
-        <p:spPr/>
-        <p:txBody>
-          <a:bodyPr/>
-          <a:lstStyle/>
-          <a:p>
-            <a:fld id="{D57F1E4F-1CFF-5643-939E-217C01CDF565}" type="slidenum">
-              <a:rPr lang="en-US" smtClean="0"/>
-              <a:pPr/>
-              <a:t>11</a:t>
-            </a:fld>
-            <a:endParaRPr lang="en-US" dirty="0"/>
-          </a:p>
-        </p:txBody>
-      </p:sp>
-    </p:spTree>
-    <p:extLst>
-      <p:ext uri="{BB962C8B-B14F-4D97-AF65-F5344CB8AC3E}">
-        <p14:creationId xmlns="" xmlns:p14="http://schemas.microsoft.com/office/powerpoint/2010/main" val="3730277317"/>
-      </p:ext>
-    </p:extLst>
-  </p:cSld>
-  <p:clrMapOvr>
-    <a:masterClrMapping/>
-  </p:clrMapOvr>
-  <p:timing>
-    <p:tnLst>
-      <p:par>
-        <p:cTn id="1" dur="indefinite" restart="never" nodeType="tmRoot"/>
-      </p:par>
-    </p:tnLst>
-  </p:timing>
-</p:sld>
-</file>
-
-<file path=ppt/slides/slide12.xml><?xml version="1.0" encoding="utf-8"?>
-<p:sld xmlns:a="http://schemas.openxmlformats.org/drawingml/2006/main" xmlns:r="http://schemas.openxmlformats.org/officeDocument/2006/relationships" xmlns:p="http://schemas.openxmlformats.org/presentationml/2006/main">
-  <p:cSld>
-    <p:spTree>
-      <p:nvGrpSpPr>
-        <p:cNvPr id="1" name=""/>
-        <p:cNvGrpSpPr/>
-        <p:nvPr/>
-      </p:nvGrpSpPr>
-      <p:grpSpPr>
-        <a:xfrm>
-          <a:off x="0" y="0"/>
-          <a:ext cx="0" cy="0"/>
-          <a:chOff x="0" y="0"/>
-          <a:chExt cx="0" cy="0"/>
-        </a:xfrm>
-      </p:grpSpPr>
-      <p:sp>
-        <p:nvSpPr>
-          <p:cNvPr id="4" name="Slide Number Placeholder 3"/>
-          <p:cNvSpPr>
-            <a:spLocks noGrp="1"/>
-          </p:cNvSpPr>
-          <p:nvPr>
-            <p:ph type="sldNum" sz="quarter" idx="12"/>
-          </p:nvPr>
-        </p:nvSpPr>
-        <p:spPr/>
-        <p:txBody>
-          <a:bodyPr/>
-          <a:lstStyle/>
-          <a:p>
-            <a:fld id="{D57F1E4F-1CFF-5643-939E-217C01CDF565}" type="slidenum">
-              <a:rPr lang="en-US" smtClean="0"/>
-              <a:pPr/>
-              <a:t>12</a:t>
             </a:fld>
             <a:endParaRPr lang="en-US" dirty="0"/>
           </a:p>
@@ -4394,7 +4120,7 @@
         <p:spPr>
           <a:xfrm>
             <a:off x="770709" y="1632856"/>
-            <a:ext cx="10685417" cy="3785652"/>
+            <a:ext cx="10685417" cy="3416320"/>
           </a:xfrm>
           <a:prstGeom prst="rect">
             <a:avLst/>
@@ -4410,8 +4136,61 @@
             <a:pPr algn="just"/>
             <a:r>
               <a:rPr lang="en-US" sz="2400" dirty="0" smtClean="0"/>
-              <a:t>ONBS is online application for teachers and students to publish and update notice and related Information. ONBS is a web application that can be accessed by the users within the Internet to view and to edit the content of the system. The notice can be modify anytime if needed with just some changes in notice with the help of ONBS.</a:t>
-            </a:r>
+              <a:t>OBD </a:t>
+            </a:r>
+            <a:r>
+              <a:rPr lang="en-US" sz="2400" dirty="0" smtClean="0"/>
+              <a:t>is online application </a:t>
+            </a:r>
+            <a:r>
+              <a:rPr lang="en-US" sz="2400" dirty="0" smtClean="0"/>
+              <a:t>for general public to publish </a:t>
+            </a:r>
+            <a:r>
+              <a:rPr lang="en-US" sz="2400" dirty="0" smtClean="0"/>
+              <a:t>and update notice and related Information. </a:t>
+            </a:r>
+            <a:r>
+              <a:rPr lang="en-US" sz="2400" dirty="0" smtClean="0"/>
+              <a:t>OBD </a:t>
+            </a:r>
+            <a:r>
+              <a:rPr lang="en-US" sz="2400" dirty="0" smtClean="0"/>
+              <a:t>is a web application that can be accessed by </a:t>
+            </a:r>
+            <a:r>
+              <a:rPr lang="en-US" sz="2400" dirty="0" smtClean="0"/>
+              <a:t>anyone to seek blood in emergency and for coming date. </a:t>
+            </a:r>
+            <a:r>
+              <a:rPr lang="en-US" sz="2400" dirty="0" smtClean="0"/>
+              <a:t>The </a:t>
+            </a:r>
+            <a:r>
+              <a:rPr lang="en-US" sz="2400" dirty="0" smtClean="0"/>
+              <a:t>event notice </a:t>
+            </a:r>
+            <a:r>
+              <a:rPr lang="en-US" sz="2400" dirty="0" smtClean="0"/>
+              <a:t>can </a:t>
+            </a:r>
+            <a:r>
+              <a:rPr lang="en-US" sz="2400" dirty="0" smtClean="0"/>
+              <a:t>be modify anytime if </a:t>
+            </a:r>
+            <a:r>
+              <a:rPr lang="en-US" sz="2400" dirty="0" smtClean="0"/>
+              <a:t>needed, with </a:t>
+            </a:r>
+            <a:r>
+              <a:rPr lang="en-US" sz="2400" dirty="0" smtClean="0"/>
+              <a:t>the help of </a:t>
+            </a:r>
+            <a:r>
+              <a:rPr lang="en-US" sz="2400" dirty="0" smtClean="0"/>
+              <a:t>OBD.</a:t>
+            </a:r>
+            <a:endParaRPr lang="en-US" sz="2400" dirty="0" smtClean="0"/>
           </a:p>
           <a:p>
             <a:pPr algn="just"/>
@@ -4421,7 +4200,27 @@
             <a:pPr lvl="0" algn="just"/>
             <a:r>
               <a:rPr lang="en-US" sz="2400" dirty="0" smtClean="0"/>
-              <a:t>To provide a range of functionalities to teachers for managing the notices. It includes adding, editing  and deleting the notices. ONBS will be developed using a high level object oriented programming language ASP.NET with .net  framework version 4.0</a:t>
+              <a:t>To provide a range of functionalities to </a:t>
+            </a:r>
+            <a:r>
+              <a:rPr lang="en-US" sz="2400" dirty="0" smtClean="0"/>
+              <a:t>admin and user</a:t>
+            </a:r>
+            <a:r>
+              <a:rPr lang="en-US" sz="2400" dirty="0" smtClean="0"/>
+              <a:t> for managing the </a:t>
+            </a:r>
+            <a:r>
+              <a:rPr lang="en-US" sz="2400" dirty="0" smtClean="0"/>
+              <a:t>notices. It includes adding, editing  and deleting the notices. </a:t>
+            </a:r>
+            <a:r>
+              <a:rPr lang="en-US" sz="2400" dirty="0" smtClean="0"/>
+              <a:t>OBD </a:t>
+            </a:r>
+            <a:r>
+              <a:rPr lang="en-US" sz="2400" dirty="0" smtClean="0"/>
+              <a:t>will be developed using a high level object oriented programming language ASP.NET with .net  framework version 4.0</a:t>
             </a:r>
             <a:endParaRPr lang="en-US" sz="2400" dirty="0"/>
           </a:p>
@@ -4522,37 +4321,94 @@
             <a:pPr lvl="0" algn="just"/>
             <a:r>
               <a:rPr lang="en-US" sz="2400" dirty="0" smtClean="0"/>
-              <a:t>To provide an easy access to notices for all the students anywhere using internet.</a:t>
+              <a:t>To provide an easy </a:t>
+            </a:r>
+            <a:r>
+              <a:rPr lang="en-US" sz="2400" dirty="0" smtClean="0"/>
+              <a:t>access to blood donors </a:t>
+            </a:r>
+            <a:r>
+              <a:rPr lang="en-US" sz="2400" dirty="0" smtClean="0"/>
+              <a:t>anywhere using internet.</a:t>
             </a:r>
           </a:p>
           <a:p>
             <a:pPr lvl="0" algn="just"/>
             <a:r>
               <a:rPr lang="en-US" sz="2400" dirty="0" smtClean="0"/>
-              <a:t>To provide students with an interface to view notices and  teachers to add notice regarding  related issues.</a:t>
+              <a:t>To </a:t>
+            </a:r>
+            <a:r>
+              <a:rPr lang="en-US" sz="2400" dirty="0" smtClean="0"/>
+              <a:t>provide blood seekers </a:t>
+            </a:r>
+            <a:r>
+              <a:rPr lang="en-US" sz="2400" dirty="0" smtClean="0"/>
+              <a:t>with an interface to </a:t>
+            </a:r>
+            <a:r>
+              <a:rPr lang="en-US" sz="2400" dirty="0" smtClean="0"/>
+              <a:t>view list of donors with different blood group and other details like, last donation date, best time to contact, medication etc. </a:t>
             </a:r>
           </a:p>
           <a:p>
             <a:pPr lvl="0" algn="just"/>
             <a:r>
               <a:rPr lang="en-US" sz="2400" dirty="0" smtClean="0"/>
-              <a:t>To provide wide range of functionalities to teachers for managing the notices. It includes adding, editing  and deleting the notices.</a:t>
+              <a:t>Admin and members can also add event notice </a:t>
+            </a:r>
+            <a:r>
+              <a:rPr lang="en-US" sz="2400" dirty="0" smtClean="0"/>
+              <a:t>regarding  related issues.</a:t>
             </a:r>
           </a:p>
           <a:p>
             <a:pPr lvl="0" algn="just"/>
             <a:r>
               <a:rPr lang="en-US" sz="2400" dirty="0" smtClean="0"/>
-              <a:t>To provide admin with the authority of assigning permissions on particular user to a particular functions.</a:t>
-            </a:r>
+              <a:t>To provide </a:t>
+            </a:r>
+            <a:r>
+              <a:rPr lang="en-US" sz="2400" dirty="0" smtClean="0"/>
+              <a:t>functionalities </a:t>
+            </a:r>
+            <a:r>
+              <a:rPr lang="en-US" sz="2400" dirty="0" smtClean="0"/>
+              <a:t>to </a:t>
+            </a:r>
+            <a:r>
+              <a:rPr lang="en-US" sz="2400" dirty="0" smtClean="0"/>
+              <a:t>blood centers </a:t>
+            </a:r>
+            <a:r>
+              <a:rPr lang="en-US" sz="2400" dirty="0" smtClean="0"/>
+              <a:t>for managing the </a:t>
+            </a:r>
+            <a:r>
+              <a:rPr lang="en-US" sz="2400" dirty="0" smtClean="0"/>
+              <a:t>notices and status of the blood stock. </a:t>
+            </a:r>
+            <a:r>
+              <a:rPr lang="en-US" sz="2400" dirty="0" smtClean="0"/>
+              <a:t>It includes adding, editing  and deleting the </a:t>
+            </a:r>
+            <a:r>
+              <a:rPr lang="en-US" sz="2400" dirty="0" smtClean="0"/>
+              <a:t>related event and status of blood stock.</a:t>
+            </a:r>
+            <a:endParaRPr lang="en-US" sz="2400" dirty="0" smtClean="0"/>
           </a:p>
           <a:p>
             <a:pPr lvl="0" algn="just"/>
             <a:r>
               <a:rPr lang="en-US" sz="2400" dirty="0" smtClean="0"/>
-              <a:t>To provide backup of the previous notices.</a:t>
-            </a:r>
-            <a:endParaRPr lang="en-US" sz="2400" dirty="0"/>
+              <a:t>To provide admin with the authority </a:t>
+            </a:r>
+            <a:r>
+              <a:rPr lang="en-US" sz="2400" dirty="0" smtClean="0"/>
+              <a:t>of verifying member on the basis of proof provided by the member.</a:t>
+            </a:r>
+            <a:endParaRPr lang="en-US" sz="2400" dirty="0" smtClean="0"/>
           </a:p>
         </p:txBody>
       </p:sp>
@@ -4583,7 +4439,7 @@
     </p:spTree>
     <p:extLst>
       <p:ext uri="{BB962C8B-B14F-4D97-AF65-F5344CB8AC3E}">
-        <p14:creationId xmlns="" xmlns:p14="http://schemas.microsoft.com/office/powerpoint/2010/main" val="149419941"/>
+        <p14:creationId xmlns:p14="http://schemas.microsoft.com/office/powerpoint/2010/main" val="149419941"/>
       </p:ext>
     </p:extLst>
   </p:cSld>
@@ -4697,8 +4553,44 @@
                 </a:effectLst>
                 <a:latin typeface="Century Gothic" panose="020B0502020202020204" pitchFamily="34" charset="0"/>
               </a:rPr>
-              <a:t>Students are Not able to be updated about notice without visiting college</a:t>
-            </a:r>
+              <a:t>Seekers </a:t>
+            </a:r>
+            <a:r>
+              <a:rPr lang="en-US" sz="2800" dirty="0" smtClean="0">
+                <a:effectLst>
+                  <a:outerShdw blurRad="38100" dist="38100" dir="2700000" algn="tl">
+                    <a:srgbClr val="000000">
+                      <a:alpha val="43137"/>
+                    </a:srgbClr>
+                  </a:outerShdw>
+                </a:effectLst>
+                <a:latin typeface="Century Gothic" panose="020B0502020202020204" pitchFamily="34" charset="0"/>
+              </a:rPr>
+              <a:t>are Not able to </a:t>
+            </a:r>
+            <a:r>
+              <a:rPr lang="en-US" sz="2800" dirty="0" smtClean="0">
+                <a:effectLst>
+                  <a:outerShdw blurRad="38100" dist="38100" dir="2700000" algn="tl">
+                    <a:srgbClr val="000000">
+                      <a:alpha val="43137"/>
+                    </a:srgbClr>
+                  </a:outerShdw>
+                </a:effectLst>
+                <a:latin typeface="Century Gothic" panose="020B0502020202020204" pitchFamily="34" charset="0"/>
+              </a:rPr>
+              <a:t>get required amount of blood in one place.</a:t>
+            </a:r>
+            <a:endParaRPr lang="en-US" sz="2800" dirty="0" smtClean="0">
+              <a:effectLst>
+                <a:outerShdw blurRad="38100" dist="38100" dir="2700000" algn="tl">
+                  <a:srgbClr val="000000">
+                    <a:alpha val="43137"/>
+                  </a:srgbClr>
+                </a:outerShdw>
+              </a:effectLst>
+              <a:latin typeface="Century Gothic" panose="020B0502020202020204" pitchFamily="34" charset="0"/>
+            </a:endParaRPr>
           </a:p>
           <a:p>
             <a:pPr>
@@ -4716,8 +4608,18 @@
                 </a:effectLst>
                 <a:latin typeface="Century Gothic" panose="020B0502020202020204" pitchFamily="34" charset="0"/>
               </a:rPr>
-              <a:t>Content In notice Board are in messy form.</a:t>
-            </a:r>
+              <a:t>Stock in blood bank is unknown.</a:t>
+            </a:r>
+            <a:endParaRPr lang="en-US" dirty="0" smtClean="0">
+              <a:effectLst>
+                <a:outerShdw blurRad="38100" dist="38100" dir="2700000" algn="tl">
+                  <a:srgbClr val="000000">
+                    <a:alpha val="43137"/>
+                  </a:srgbClr>
+                </a:outerShdw>
+              </a:effectLst>
+              <a:latin typeface="Century Gothic" panose="020B0502020202020204" pitchFamily="34" charset="0"/>
+            </a:endParaRPr>
           </a:p>
           <a:p>
             <a:pPr>
@@ -4735,8 +4637,18 @@
                 </a:effectLst>
                 <a:latin typeface="Century Gothic" panose="020B0502020202020204" pitchFamily="34" charset="0"/>
               </a:rPr>
-              <a:t>Lack of space Leads to overlapping of Notice.</a:t>
-            </a:r>
+              <a:t>Lack of blood leads to death of the patient.</a:t>
+            </a:r>
+            <a:endParaRPr lang="en-US" sz="2800" dirty="0" smtClean="0">
+              <a:effectLst>
+                <a:outerShdw blurRad="38100" dist="38100" dir="2700000" algn="tl">
+                  <a:srgbClr val="000000">
+                    <a:alpha val="43137"/>
+                  </a:srgbClr>
+                </a:outerShdw>
+              </a:effectLst>
+              <a:latin typeface="Century Gothic" panose="020B0502020202020204" pitchFamily="34" charset="0"/>
+            </a:endParaRPr>
           </a:p>
           <a:p>
             <a:pPr>
@@ -4754,8 +4666,18 @@
                 </a:effectLst>
                 <a:latin typeface="Century Gothic" panose="020B0502020202020204" pitchFamily="34" charset="0"/>
               </a:rPr>
-              <a:t>Problem in finding related Notice.</a:t>
-            </a:r>
+              <a:t>Problem in finding required blood group from one place.</a:t>
+            </a:r>
+            <a:endParaRPr lang="en-US" sz="2800" dirty="0" smtClean="0">
+              <a:effectLst>
+                <a:outerShdw blurRad="38100" dist="38100" dir="2700000" algn="tl">
+                  <a:srgbClr val="000000">
+                    <a:alpha val="43137"/>
+                  </a:srgbClr>
+                </a:outerShdw>
+              </a:effectLst>
+              <a:latin typeface="Century Gothic" panose="020B0502020202020204" pitchFamily="34" charset="0"/>
+            </a:endParaRPr>
           </a:p>
           <a:p>
             <a:pPr>
@@ -4773,27 +4695,8 @@
                 </a:effectLst>
                 <a:latin typeface="Century Gothic" panose="020B0502020202020204" pitchFamily="34" charset="0"/>
               </a:rPr>
-              <a:t>Old notices are hard to find as they are not archived.</a:t>
-            </a:r>
-            <a:r>
-              <a:rPr lang="en-US" sz="2800" dirty="0" smtClean="0">
-                <a:effectLst>
-                  <a:outerShdw blurRad="38100" dist="38100" dir="2700000" algn="tl">
-                    <a:srgbClr val="000000">
-                      <a:alpha val="43137"/>
-                    </a:srgbClr>
-                  </a:outerShdw>
-                </a:effectLst>
-                <a:latin typeface="Century Gothic" panose="020B0502020202020204" pitchFamily="34" charset="0"/>
-              </a:rPr>
-              <a:t> </a:t>
-            </a:r>
-          </a:p>
-          <a:p>
-            <a:pPr>
-              <a:buFont typeface="Wingdings" panose="05000000000000000000" pitchFamily="2" charset="2"/>
-              <a:buChar char="v"/>
-            </a:pPr>
+              <a:t>Contacts of the eligible donors are hard to find because of irregular and improper management of donor’s record</a:t>
+            </a:r>
             <a:r>
               <a:rPr lang="en-US" dirty="0" smtClean="0">
                 <a:effectLst>
@@ -4805,7 +4708,88 @@
                 </a:effectLst>
                 <a:latin typeface="Century Gothic" panose="020B0502020202020204" pitchFamily="34" charset="0"/>
               </a:rPr>
-              <a:t>Due to technical Problems Notice are not published on time.</a:t>
+              <a:t>.</a:t>
+            </a:r>
+            <a:endParaRPr lang="en-US" sz="2800" dirty="0" smtClean="0">
+              <a:effectLst>
+                <a:outerShdw blurRad="38100" dist="38100" dir="2700000" algn="tl">
+                  <a:srgbClr val="000000">
+                    <a:alpha val="43137"/>
+                  </a:srgbClr>
+                </a:outerShdw>
+              </a:effectLst>
+              <a:latin typeface="Century Gothic" panose="020B0502020202020204" pitchFamily="34" charset="0"/>
+            </a:endParaRPr>
+          </a:p>
+          <a:p>
+            <a:pPr>
+              <a:buFont typeface="Wingdings" panose="05000000000000000000" pitchFamily="2" charset="2"/>
+              <a:buChar char="v"/>
+            </a:pPr>
+            <a:r>
+              <a:rPr lang="en-US" dirty="0" smtClean="0">
+                <a:effectLst>
+                  <a:outerShdw blurRad="38100" dist="38100" dir="2700000" algn="tl">
+                    <a:srgbClr val="000000">
+                      <a:alpha val="43137"/>
+                    </a:srgbClr>
+                  </a:outerShdw>
+                </a:effectLst>
+                <a:latin typeface="Century Gothic" panose="020B0502020202020204" pitchFamily="34" charset="0"/>
+              </a:rPr>
+              <a:t>Due to technical </a:t>
+            </a:r>
+            <a:r>
+              <a:rPr lang="en-US" dirty="0" smtClean="0">
+                <a:effectLst>
+                  <a:outerShdw blurRad="38100" dist="38100" dir="2700000" algn="tl">
+                    <a:srgbClr val="000000">
+                      <a:alpha val="43137"/>
+                    </a:srgbClr>
+                  </a:outerShdw>
+                </a:effectLst>
+                <a:latin typeface="Century Gothic" panose="020B0502020202020204" pitchFamily="34" charset="0"/>
+              </a:rPr>
+              <a:t>Problems </a:t>
+            </a:r>
+            <a:r>
+              <a:rPr lang="en-US" dirty="0" smtClean="0">
+                <a:effectLst>
+                  <a:outerShdw blurRad="38100" dist="38100" dir="2700000" algn="tl">
+                    <a:srgbClr val="000000">
+                      <a:alpha val="43137"/>
+                    </a:srgbClr>
+                  </a:outerShdw>
+                </a:effectLst>
+                <a:latin typeface="Century Gothic" panose="020B0502020202020204" pitchFamily="34" charset="0"/>
+              </a:rPr>
+              <a:t>requests are not fulfilled on </a:t>
+            </a:r>
+            <a:r>
+              <a:rPr lang="en-US" dirty="0" smtClean="0">
+                <a:effectLst>
+                  <a:outerShdw blurRad="38100" dist="38100" dir="2700000" algn="tl">
+                    <a:srgbClr val="000000">
+                      <a:alpha val="43137"/>
+                    </a:srgbClr>
+                  </a:outerShdw>
+                </a:effectLst>
+                <a:latin typeface="Century Gothic" panose="020B0502020202020204" pitchFamily="34" charset="0"/>
+              </a:rPr>
+              <a:t>time</a:t>
+            </a:r>
+            <a:r>
+              <a:rPr lang="en-US" dirty="0" smtClean="0">
+                <a:effectLst>
+                  <a:outerShdw blurRad="38100" dist="38100" dir="2700000" algn="tl">
+                    <a:srgbClr val="000000">
+                      <a:alpha val="43137"/>
+                    </a:srgbClr>
+                  </a:outerShdw>
+                </a:effectLst>
+                <a:latin typeface="Century Gothic" panose="020B0502020202020204" pitchFamily="34" charset="0"/>
+              </a:rPr>
+              <a:t>.</a:t>
             </a:r>
           </a:p>
           <a:p>
@@ -4852,7 +4836,7 @@
     </p:spTree>
     <p:extLst>
       <p:ext uri="{BB962C8B-B14F-4D97-AF65-F5344CB8AC3E}">
-        <p14:creationId xmlns="" xmlns:p14="http://schemas.microsoft.com/office/powerpoint/2010/main" val="1765046165"/>
+        <p14:creationId xmlns:p14="http://schemas.microsoft.com/office/powerpoint/2010/main" val="1765046165"/>
       </p:ext>
     </p:extLst>
   </p:cSld>
@@ -4965,7 +4949,46 @@
                 </a:effectLst>
                 <a:latin typeface="Century Gothic" panose="020B0502020202020204" pitchFamily="34" charset="0"/>
               </a:rPr>
-              <a:t>ONBS helps to post New Notice anytime from any where.</a:t>
+              <a:t>OBD </a:t>
+            </a:r>
+            <a:r>
+              <a:rPr lang="en-US" sz="2800" dirty="0" smtClean="0">
+                <a:effectLst>
+                  <a:outerShdw blurRad="38100" dist="38100" dir="2700000" algn="tl">
+                    <a:srgbClr val="000000">
+                      <a:alpha val="43137"/>
+                    </a:srgbClr>
+                  </a:outerShdw>
+                </a:effectLst>
+                <a:latin typeface="Century Gothic" panose="020B0502020202020204" pitchFamily="34" charset="0"/>
+              </a:rPr>
+              <a:t>helps to post New </a:t>
+            </a:r>
+            <a:r>
+              <a:rPr lang="en-US" sz="2800" dirty="0" smtClean="0">
+                <a:effectLst>
+                  <a:outerShdw blurRad="38100" dist="38100" dir="2700000" algn="tl">
+                    <a:srgbClr val="000000">
+                      <a:alpha val="43137"/>
+                    </a:srgbClr>
+                  </a:outerShdw>
+                </a:effectLst>
+                <a:latin typeface="Century Gothic" panose="020B0502020202020204" pitchFamily="34" charset="0"/>
+              </a:rPr>
+              <a:t>Notice and requirements </a:t>
+            </a:r>
+            <a:r>
+              <a:rPr lang="en-US" sz="2800" dirty="0" smtClean="0">
+                <a:effectLst>
+                  <a:outerShdw blurRad="38100" dist="38100" dir="2700000" algn="tl">
+                    <a:srgbClr val="000000">
+                      <a:alpha val="43137"/>
+                    </a:srgbClr>
+                  </a:outerShdw>
+                </a:effectLst>
+                <a:latin typeface="Century Gothic" panose="020B0502020202020204" pitchFamily="34" charset="0"/>
+              </a:rPr>
+              <a:t>anytime from any where.</a:t>
             </a:r>
           </a:p>
           <a:p>
@@ -4984,7 +5007,59 @@
                 </a:effectLst>
                 <a:latin typeface="Century Gothic" panose="020B0502020202020204" pitchFamily="34" charset="0"/>
               </a:rPr>
-              <a:t>Student can check notice from any where any time.</a:t>
+              <a:t>donors</a:t>
+            </a:r>
+            <a:r>
+              <a:rPr lang="en-US" dirty="0" smtClean="0">
+                <a:effectLst>
+                  <a:outerShdw blurRad="38100" dist="38100" dir="2700000" algn="tl">
+                    <a:srgbClr val="000000">
+                      <a:alpha val="43137"/>
+                    </a:srgbClr>
+                  </a:outerShdw>
+                </a:effectLst>
+                <a:latin typeface="Century Gothic" panose="020B0502020202020204" pitchFamily="34" charset="0"/>
+              </a:rPr>
+              <a:t> </a:t>
+            </a:r>
+            <a:r>
+              <a:rPr lang="en-US" dirty="0" smtClean="0">
+                <a:effectLst>
+                  <a:outerShdw blurRad="38100" dist="38100" dir="2700000" algn="tl">
+                    <a:srgbClr val="000000">
+                      <a:alpha val="43137"/>
+                    </a:srgbClr>
+                  </a:outerShdw>
+                </a:effectLst>
+                <a:latin typeface="Century Gothic" panose="020B0502020202020204" pitchFamily="34" charset="0"/>
+              </a:rPr>
+              <a:t>can </a:t>
+            </a:r>
+            <a:r>
+              <a:rPr lang="en-US" dirty="0" smtClean="0">
+                <a:effectLst>
+                  <a:outerShdw blurRad="38100" dist="38100" dir="2700000" algn="tl">
+                    <a:srgbClr val="000000">
+                      <a:alpha val="43137"/>
+                    </a:srgbClr>
+                  </a:outerShdw>
+                </a:effectLst>
+                <a:latin typeface="Century Gothic" panose="020B0502020202020204" pitchFamily="34" charset="0"/>
+              </a:rPr>
+              <a:t>check and publish </a:t>
+            </a:r>
+            <a:r>
+              <a:rPr lang="en-US" dirty="0" smtClean="0">
+                <a:effectLst>
+                  <a:outerShdw blurRad="38100" dist="38100" dir="2700000" algn="tl">
+                    <a:srgbClr val="000000">
+                      <a:alpha val="43137"/>
+                    </a:srgbClr>
+                  </a:outerShdw>
+                </a:effectLst>
+                <a:latin typeface="Century Gothic" panose="020B0502020202020204" pitchFamily="34" charset="0"/>
+              </a:rPr>
+              <a:t>notice from any where any time.</a:t>
             </a:r>
             <a:endParaRPr lang="en-US" sz="2800" dirty="0" smtClean="0">
               <a:effectLst>
@@ -5013,8 +5088,44 @@
                 </a:effectLst>
                 <a:latin typeface="Century Gothic" panose="020B0502020202020204" pitchFamily="34" charset="0"/>
               </a:rPr>
-              <a:t>Less effort to find a notice.</a:t>
-            </a:r>
+              <a:t>Less effort to find </a:t>
+            </a:r>
+            <a:r>
+              <a:rPr lang="en-US" dirty="0" smtClean="0">
+                <a:effectLst>
+                  <a:outerShdw blurRad="38100" dist="38100" dir="2700000" algn="tl">
+                    <a:srgbClr val="000000">
+                      <a:alpha val="43137"/>
+                    </a:srgbClr>
+                  </a:outerShdw>
+                </a:effectLst>
+                <a:latin typeface="Century Gothic" panose="020B0502020202020204" pitchFamily="34" charset="0"/>
+              </a:rPr>
+              <a:t>nearby donors</a:t>
+            </a:r>
+            <a:r>
+              <a:rPr lang="en-US" dirty="0" smtClean="0">
+                <a:effectLst>
+                  <a:outerShdw blurRad="38100" dist="38100" dir="2700000" algn="tl">
+                    <a:srgbClr val="000000">
+                      <a:alpha val="43137"/>
+                    </a:srgbClr>
+                  </a:outerShdw>
+                </a:effectLst>
+                <a:latin typeface="Century Gothic" panose="020B0502020202020204" pitchFamily="34" charset="0"/>
+              </a:rPr>
+              <a:t>.</a:t>
+            </a:r>
+            <a:endParaRPr lang="en-US" dirty="0" smtClean="0">
+              <a:effectLst>
+                <a:outerShdw blurRad="38100" dist="38100" dir="2700000" algn="tl">
+                  <a:srgbClr val="000000">
+                    <a:alpha val="43137"/>
+                  </a:srgbClr>
+                </a:outerShdw>
+              </a:effectLst>
+              <a:latin typeface="Century Gothic" panose="020B0502020202020204" pitchFamily="34" charset="0"/>
+            </a:endParaRPr>
           </a:p>
           <a:p>
             <a:pPr algn="just">
@@ -5032,14 +5143,8 @@
                 </a:effectLst>
                 <a:latin typeface="Century Gothic" panose="020B0502020202020204" pitchFamily="34" charset="0"/>
               </a:rPr>
-              <a:t>Reduces the Crowd.</a:t>
-            </a:r>
-          </a:p>
-          <a:p>
-            <a:pPr algn="just">
-              <a:buFont typeface="Wingdings" panose="05000000000000000000" pitchFamily="2" charset="2"/>
-              <a:buChar char="v"/>
-            </a:pPr>
+              <a:t>Reduces the </a:t>
+            </a:r>
             <a:r>
               <a:rPr lang="en-US" dirty="0" smtClean="0">
                 <a:effectLst>
@@ -5051,7 +5156,7 @@
                 </a:effectLst>
                 <a:latin typeface="Century Gothic" panose="020B0502020202020204" pitchFamily="34" charset="0"/>
               </a:rPr>
-              <a:t>Easy to change contents of Notice that has been published earlier.</a:t>
+              <a:t>time consumption for seeking blood donors</a:t>
             </a:r>
             <a:r>
               <a:rPr lang="en-US" sz="2800" dirty="0" smtClean="0">
@@ -5064,8 +5169,86 @@
                 </a:effectLst>
                 <a:latin typeface="Century Gothic" panose="020B0502020202020204" pitchFamily="34" charset="0"/>
               </a:rPr>
+              <a:t>.</a:t>
+            </a:r>
+            <a:endParaRPr lang="en-US" sz="2800" dirty="0" smtClean="0">
+              <a:effectLst>
+                <a:outerShdw blurRad="38100" dist="38100" dir="2700000" algn="tl">
+                  <a:srgbClr val="000000">
+                    <a:alpha val="43137"/>
+                  </a:srgbClr>
+                </a:outerShdw>
+              </a:effectLst>
+              <a:latin typeface="Century Gothic" panose="020B0502020202020204" pitchFamily="34" charset="0"/>
+            </a:endParaRPr>
+          </a:p>
+          <a:p>
+            <a:pPr algn="just">
+              <a:buFont typeface="Wingdings" panose="05000000000000000000" pitchFamily="2" charset="2"/>
+              <a:buChar char="v"/>
+            </a:pPr>
+            <a:r>
+              <a:rPr lang="en-US" dirty="0" smtClean="0">
+                <a:effectLst>
+                  <a:outerShdw blurRad="38100" dist="38100" dir="2700000" algn="tl">
+                    <a:srgbClr val="000000">
+                      <a:alpha val="43137"/>
+                    </a:srgbClr>
+                  </a:outerShdw>
+                </a:effectLst>
+                <a:latin typeface="Century Gothic" panose="020B0502020202020204" pitchFamily="34" charset="0"/>
+              </a:rPr>
+              <a:t>Easy to </a:t>
+            </a:r>
+            <a:r>
+              <a:rPr lang="en-US" dirty="0" smtClean="0">
+                <a:effectLst>
+                  <a:outerShdw blurRad="38100" dist="38100" dir="2700000" algn="tl">
+                    <a:srgbClr val="000000">
+                      <a:alpha val="43137"/>
+                    </a:srgbClr>
+                  </a:outerShdw>
+                </a:effectLst>
+                <a:latin typeface="Century Gothic" panose="020B0502020202020204" pitchFamily="34" charset="0"/>
+              </a:rPr>
+              <a:t>enlist the eligible, fit and ready donors</a:t>
+            </a:r>
+            <a:r>
+              <a:rPr lang="en-US" dirty="0" smtClean="0">
+                <a:effectLst>
+                  <a:outerShdw blurRad="38100" dist="38100" dir="2700000" algn="tl">
+                    <a:srgbClr val="000000">
+                      <a:alpha val="43137"/>
+                    </a:srgbClr>
+                  </a:outerShdw>
+                </a:effectLst>
+                <a:latin typeface="Century Gothic" panose="020B0502020202020204" pitchFamily="34" charset="0"/>
+              </a:rPr>
+              <a:t>.</a:t>
+            </a:r>
+            <a:r>
+              <a:rPr lang="en-US" sz="2800" dirty="0" smtClean="0">
+                <a:effectLst>
+                  <a:outerShdw blurRad="38100" dist="38100" dir="2700000" algn="tl">
+                    <a:srgbClr val="000000">
+                      <a:alpha val="43137"/>
+                    </a:srgbClr>
+                  </a:outerShdw>
+                </a:effectLst>
+                <a:latin typeface="Century Gothic" panose="020B0502020202020204" pitchFamily="34" charset="0"/>
+              </a:rPr>
               <a:t> </a:t>
             </a:r>
+            <a:endParaRPr lang="en-US" sz="2800" dirty="0" smtClean="0">
+              <a:effectLst>
+                <a:outerShdw blurRad="38100" dist="38100" dir="2700000" algn="tl">
+                  <a:srgbClr val="000000">
+                    <a:alpha val="43137"/>
+                  </a:srgbClr>
+                </a:outerShdw>
+              </a:effectLst>
+              <a:latin typeface="Century Gothic" panose="020B0502020202020204" pitchFamily="34" charset="0"/>
+            </a:endParaRPr>
           </a:p>
         </p:txBody>
       </p:sp>
@@ -5096,7 +5279,7 @@
     </p:spTree>
     <p:extLst>
       <p:ext uri="{BB962C8B-B14F-4D97-AF65-F5344CB8AC3E}">
-        <p14:creationId xmlns="" xmlns:p14="http://schemas.microsoft.com/office/powerpoint/2010/main" val="3411761469"/>
+        <p14:creationId xmlns:p14="http://schemas.microsoft.com/office/powerpoint/2010/main" val="3411761469"/>
       </p:ext>
     </p:extLst>
   </p:cSld>
@@ -5186,7 +5369,7 @@
         </p:spPr>
         <p:txBody>
           <a:bodyPr>
-            <a:normAutofit fontScale="92500" lnSpcReduction="10000"/>
+            <a:normAutofit fontScale="92500" lnSpcReduction="20000"/>
           </a:bodyPr>
           <a:lstStyle/>
           <a:p>
@@ -5199,7 +5382,11 @@
             <a:pPr algn="just"/>
             <a:r>
               <a:rPr lang="en-US" dirty="0" smtClean="0"/>
-              <a:t>ONBS will be developed in ASP.NET. </a:t>
+              <a:t>OBD </a:t>
+            </a:r>
+            <a:r>
+              <a:rPr lang="en-US" dirty="0" smtClean="0"/>
+              <a:t>will be developed in ASP.NET. </a:t>
             </a:r>
           </a:p>
           <a:p>
@@ -5235,6 +5422,14 @@
             <a:r>
               <a:rPr lang="en-US" dirty="0" smtClean="0"/>
               <a:t>Microsoft SQL server management Studio will be used as database Manager. </a:t>
+            </a:r>
+            <a:endParaRPr lang="en-US" dirty="0" smtClean="0"/>
+          </a:p>
+          <a:p>
+            <a:pPr algn="just"/>
+            <a:r>
+              <a:rPr lang="en-US" dirty="0" smtClean="0"/>
+              <a:t>Online SMS service will be used to verify seekers and alert the donors </a:t>
             </a:r>
             <a:endParaRPr lang="en-US" dirty="0"/>
           </a:p>
@@ -5267,7 +5462,7 @@
     </p:spTree>
     <p:extLst>
       <p:ext uri="{BB962C8B-B14F-4D97-AF65-F5344CB8AC3E}">
-        <p14:creationId xmlns="" xmlns:p14="http://schemas.microsoft.com/office/powerpoint/2010/main" val="1436165341"/>
+        <p14:creationId xmlns:p14="http://schemas.microsoft.com/office/powerpoint/2010/main" val="1436165341"/>
       </p:ext>
     </p:extLst>
   </p:cSld>
@@ -5311,29 +5506,147 @@
             <p:ph type="title"/>
           </p:nvPr>
         </p:nvSpPr>
-        <p:spPr/>
-        <p:txBody>
-          <a:bodyPr/>
-          <a:lstStyle/>
-          <a:p>
-            <a:r>
-              <a:rPr lang="en-US" dirty="0" smtClean="0">
+        <p:spPr>
+          <a:xfrm>
+            <a:off x="1598611" y="0"/>
+            <a:ext cx="10018713" cy="1752599"/>
+          </a:xfrm>
+        </p:spPr>
+        <p:txBody>
+          <a:bodyPr/>
+          <a:lstStyle/>
+          <a:p>
+            <a:r>
+              <a:rPr lang="en-US" b="1" dirty="0" smtClean="0">
                 <a:solidFill>
                   <a:schemeClr val="accent4">
                     <a:lumMod val="75000"/>
                   </a:schemeClr>
                 </a:solidFill>
-                <a:effectLst/>
-              </a:rPr>
-              <a:t>Context Diagaram</a:t>
-            </a:r>
-            <a:endParaRPr lang="en-US" dirty="0">
+                <a:latin typeface="Century Gothic" panose="020B0502020202020204" pitchFamily="34" charset="0"/>
+              </a:rPr>
+              <a:t>Conclusion</a:t>
+            </a:r>
+            <a:endParaRPr lang="en-US" b="1" dirty="0">
               <a:solidFill>
                 <a:schemeClr val="accent4">
                   <a:lumMod val="75000"/>
                 </a:schemeClr>
               </a:solidFill>
-              <a:effectLst/>
+              <a:latin typeface="Century Gothic" panose="020B0502020202020204" pitchFamily="34" charset="0"/>
+            </a:endParaRPr>
+          </a:p>
+        </p:txBody>
+      </p:sp>
+      <p:sp>
+        <p:nvSpPr>
+          <p:cNvPr id="3" name="Content Placeholder 2"/>
+          <p:cNvSpPr>
+            <a:spLocks noGrp="1"/>
+          </p:cNvSpPr>
+          <p:nvPr>
+            <p:ph idx="1"/>
+          </p:nvPr>
+        </p:nvSpPr>
+        <p:spPr>
+          <a:xfrm>
+            <a:off x="1598611" y="2044699"/>
+            <a:ext cx="10018713" cy="3124201"/>
+          </a:xfrm>
+        </p:spPr>
+        <p:txBody>
+          <a:bodyPr>
+            <a:noAutofit/>
+          </a:bodyPr>
+          <a:lstStyle/>
+          <a:p>
+            <a:pPr>
+              <a:buFont typeface="Wingdings" panose="05000000000000000000" pitchFamily="2" charset="2"/>
+              <a:buChar char="v"/>
+            </a:pPr>
+            <a:r>
+              <a:rPr lang="en-US" sz="2800" dirty="0" smtClean="0">
+                <a:effectLst>
+                  <a:outerShdw blurRad="38100" dist="38100" dir="2700000" algn="tl">
+                    <a:srgbClr val="000000">
+                      <a:alpha val="43137"/>
+                    </a:srgbClr>
+                  </a:outerShdw>
+                </a:effectLst>
+                <a:latin typeface="Century Gothic" panose="020B0502020202020204" pitchFamily="34" charset="0"/>
+              </a:rPr>
+              <a:t>It will be an online Application to </a:t>
+            </a:r>
+            <a:r>
+              <a:rPr lang="en-US" sz="2800" dirty="0" smtClean="0">
+                <a:effectLst>
+                  <a:outerShdw blurRad="38100" dist="38100" dir="2700000" algn="tl">
+                    <a:srgbClr val="000000">
+                      <a:alpha val="43137"/>
+                    </a:srgbClr>
+                  </a:outerShdw>
+                </a:effectLst>
+                <a:latin typeface="Century Gothic" panose="020B0502020202020204" pitchFamily="34" charset="0"/>
+              </a:rPr>
+              <a:t>give the record of donors and blood centers.</a:t>
+            </a:r>
+            <a:endParaRPr lang="en-US" dirty="0" smtClean="0">
+              <a:effectLst>
+                <a:outerShdw blurRad="38100" dist="38100" dir="2700000" algn="tl">
+                  <a:srgbClr val="000000">
+                    <a:alpha val="43137"/>
+                  </a:srgbClr>
+                </a:outerShdw>
+              </a:effectLst>
+              <a:latin typeface="Century Gothic" panose="020B0502020202020204" pitchFamily="34" charset="0"/>
+            </a:endParaRPr>
+          </a:p>
+          <a:p>
+            <a:pPr>
+              <a:buFont typeface="Wingdings" panose="05000000000000000000" pitchFamily="2" charset="2"/>
+              <a:buChar char="v"/>
+            </a:pPr>
+            <a:r>
+              <a:rPr lang="en-US" sz="2800" dirty="0" smtClean="0">
+                <a:effectLst>
+                  <a:outerShdw blurRad="38100" dist="38100" dir="2700000" algn="tl">
+                    <a:srgbClr val="000000">
+                      <a:alpha val="43137"/>
+                    </a:srgbClr>
+                  </a:outerShdw>
+                </a:effectLst>
+                <a:latin typeface="Century Gothic" panose="020B0502020202020204" pitchFamily="34" charset="0"/>
+              </a:rPr>
+              <a:t>It will be addition to current Notice system but with Higher efficiency and accessibility </a:t>
+            </a:r>
+          </a:p>
+          <a:p>
+            <a:pPr>
+              <a:buFont typeface="Wingdings" panose="05000000000000000000" pitchFamily="2" charset="2"/>
+              <a:buChar char="v"/>
+            </a:pPr>
+            <a:r>
+              <a:rPr lang="en-US" dirty="0" smtClean="0">
+                <a:effectLst>
+                  <a:outerShdw blurRad="38100" dist="38100" dir="2700000" algn="tl">
+                    <a:srgbClr val="000000">
+                      <a:alpha val="43137"/>
+                    </a:srgbClr>
+                  </a:outerShdw>
+                </a:effectLst>
+                <a:latin typeface="Century Gothic" panose="020B0502020202020204" pitchFamily="34" charset="0"/>
+              </a:rPr>
+              <a:t>It can be run in any device with Browser and connection to Internet</a:t>
+            </a:r>
+            <a:endParaRPr lang="en-US" sz="2800" dirty="0" smtClean="0">
+              <a:effectLst>
+                <a:outerShdw blurRad="38100" dist="38100" dir="2700000" algn="tl">
+                  <a:srgbClr val="000000">
+                    <a:alpha val="43137"/>
+                  </a:srgbClr>
+                </a:outerShdw>
+              </a:effectLst>
+              <a:latin typeface="Century Gothic" panose="020B0502020202020204" pitchFamily="34" charset="0"/>
             </a:endParaRPr>
           </a:p>
         </p:txBody>
@@ -5362,30 +5675,12 @@
           </a:p>
         </p:txBody>
       </p:sp>
-      <p:pic>
-        <p:nvPicPr>
-          <p:cNvPr id="7" name="Content Placeholder 6" descr="class.png"/>
-          <p:cNvPicPr>
-            <a:picLocks noGrp="1" noChangeAspect="1"/>
-          </p:cNvPicPr>
-          <p:nvPr>
-            <p:ph idx="1"/>
-          </p:nvPr>
-        </p:nvPicPr>
-        <p:blipFill>
-          <a:blip r:embed="rId2"/>
-          <a:stretch>
-            <a:fillRect/>
-          </a:stretch>
-        </p:blipFill>
-        <p:spPr>
-          <a:xfrm>
-            <a:off x="587829" y="1319349"/>
-            <a:ext cx="11038114" cy="5212079"/>
-          </a:xfrm>
-        </p:spPr>
-      </p:pic>
     </p:spTree>
+    <p:extLst>
+      <p:ext uri="{BB962C8B-B14F-4D97-AF65-F5344CB8AC3E}">
+        <p14:creationId xmlns:p14="http://schemas.microsoft.com/office/powerpoint/2010/main" val="3056153448"/>
+      </p:ext>
+    </p:extLst>
   </p:cSld>
   <p:clrMapOvr>
     <a:masterClrMapping/>
@@ -5429,67 +5724,33 @@
         </p:nvSpPr>
         <p:spPr>
           <a:xfrm>
-            <a:off x="1602688" y="934724"/>
-            <a:ext cx="8911687" cy="45719"/>
+            <a:off x="1585911" y="0"/>
+            <a:ext cx="10018713" cy="1752599"/>
           </a:xfrm>
         </p:spPr>
         <p:txBody>
-          <a:bodyPr>
-            <a:normAutofit fontScale="90000"/>
-          </a:bodyPr>
-          <a:lstStyle/>
-          <a:p>
-            <a:r>
-              <a:rPr lang="en-US" sz="4000" b="1" dirty="0">
+          <a:bodyPr/>
+          <a:lstStyle/>
+          <a:p>
+            <a:r>
+              <a:rPr lang="en-US" b="1" dirty="0" smtClean="0">
                 <a:solidFill>
                   <a:schemeClr val="accent4">
                     <a:lumMod val="75000"/>
                   </a:schemeClr>
                 </a:solidFill>
-              </a:rPr>
-              <a:t>Time schedule </a:t>
-            </a:r>
-            <a:r>
-              <a:rPr lang="en-US" sz="4000" b="1" dirty="0" smtClean="0">
-                <a:solidFill>
-                  <a:schemeClr val="accent4">
-                    <a:lumMod val="75000"/>
-                  </a:schemeClr>
-                </a:solidFill>
-              </a:rPr>
-              <a:t>( Gantt Chart )</a:t>
-            </a:r>
-            <a:r>
-              <a:rPr lang="en-US" sz="4000" dirty="0">
-                <a:solidFill>
-                  <a:schemeClr val="accent4">
-                    <a:lumMod val="75000"/>
-                  </a:schemeClr>
-                </a:solidFill>
-              </a:rPr>
-              <a:t/>
-            </a:r>
-            <a:br>
-              <a:rPr lang="en-US" sz="4000" dirty="0">
-                <a:solidFill>
-                  <a:schemeClr val="accent4">
-                    <a:lumMod val="75000"/>
-                  </a:schemeClr>
-                </a:solidFill>
-              </a:rPr>
-            </a:br>
-            <a:r>
-              <a:rPr lang="en-US" b="1" dirty="0"/>
-              <a:t> </a:t>
-            </a:r>
-            <a:r>
-              <a:rPr lang="en-US" dirty="0"/>
-              <a:t/>
-            </a:r>
-            <a:br>
-              <a:rPr lang="en-US" dirty="0"/>
-            </a:br>
-            <a:endParaRPr lang="en-US" dirty="0"/>
+                <a:latin typeface="Century Gothic" panose="020B0502020202020204" pitchFamily="34" charset="0"/>
+              </a:rPr>
+              <a:t>References</a:t>
+            </a:r>
+            <a:endParaRPr lang="en-US" b="1" dirty="0">
+              <a:solidFill>
+                <a:schemeClr val="accent4">
+                  <a:lumMod val="75000"/>
+                </a:schemeClr>
+              </a:solidFill>
+              <a:latin typeface="Century Gothic" panose="020B0502020202020204" pitchFamily="34" charset="0"/>
+            </a:endParaRPr>
           </a:p>
         </p:txBody>
       </p:sp>
@@ -5517,33 +5778,29 @@
           </a:p>
         </p:txBody>
       </p:sp>
-      <p:pic>
-        <p:nvPicPr>
-          <p:cNvPr id="8" name="Content Placeholder 7" descr="Untitled.jpg"/>
-          <p:cNvPicPr>
-            <a:picLocks noGrp="1" noChangeAspect="1"/>
-          </p:cNvPicPr>
+      <p:sp>
+        <p:nvSpPr>
+          <p:cNvPr id="5" name="Content Placeholder 4"/>
+          <p:cNvSpPr>
+            <a:spLocks noGrp="1"/>
+          </p:cNvSpPr>
           <p:nvPr>
             <p:ph idx="1"/>
           </p:nvPr>
-        </p:nvPicPr>
-        <p:blipFill>
-          <a:blip r:embed="rId2"/>
-          <a:stretch>
-            <a:fillRect/>
-          </a:stretch>
-        </p:blipFill>
-        <p:spPr>
-          <a:xfrm>
-            <a:off x="938484" y="1084217"/>
-            <a:ext cx="10106025" cy="4967378"/>
-          </a:xfrm>
-        </p:spPr>
-      </p:pic>
+        </p:nvSpPr>
+        <p:spPr/>
+        <p:txBody>
+          <a:bodyPr/>
+          <a:lstStyle/>
+          <a:p>
+            <a:endParaRPr lang="en-US"/>
+          </a:p>
+        </p:txBody>
+      </p:sp>
     </p:spTree>
     <p:extLst>
       <p:ext uri="{BB962C8B-B14F-4D97-AF65-F5344CB8AC3E}">
-        <p14:creationId xmlns="" xmlns:p14="http://schemas.microsoft.com/office/powerpoint/2010/main" val="3830699087"/>
+        <p14:creationId xmlns:p14="http://schemas.microsoft.com/office/powerpoint/2010/main" val="2897594051"/>
       </p:ext>
     </p:extLst>
   </p:cSld>
@@ -5587,167 +5844,65 @@
             <p:ph type="title"/>
           </p:nvPr>
         </p:nvSpPr>
-        <p:spPr>
-          <a:xfrm>
-            <a:off x="1598611" y="0"/>
-            <a:ext cx="10018713" cy="1752599"/>
-          </a:xfrm>
-        </p:spPr>
-        <p:txBody>
-          <a:bodyPr/>
-          <a:lstStyle/>
-          <a:p>
-            <a:r>
-              <a:rPr lang="en-US" b="1" dirty="0" smtClean="0">
+        <p:spPr/>
+        <p:txBody>
+          <a:bodyPr/>
+          <a:lstStyle/>
+          <a:p>
+            <a:r>
+              <a:rPr lang="en-US" dirty="0" smtClean="0">
                 <a:solidFill>
                   <a:schemeClr val="accent4">
                     <a:lumMod val="75000"/>
                   </a:schemeClr>
                 </a:solidFill>
-                <a:latin typeface="Century Gothic" panose="020B0502020202020204" pitchFamily="34" charset="0"/>
-              </a:rPr>
-              <a:t>Conclusion</a:t>
-            </a:r>
-            <a:endParaRPr lang="en-US" b="1" dirty="0">
+              </a:rPr>
+              <a:t>Feedback and Sugestions </a:t>
+            </a:r>
+            <a:r>
+              <a:rPr lang="en-US" dirty="0" smtClean="0">
+                <a:solidFill>
+                  <a:schemeClr val="accent4">
+                    <a:lumMod val="75000"/>
+                  </a:schemeClr>
+                </a:solidFill>
+                <a:sym typeface="Wingdings" pitchFamily="2" charset="2"/>
+              </a:rPr>
+              <a:t></a:t>
+            </a:r>
+            <a:endParaRPr lang="en-US" dirty="0">
               <a:solidFill>
                 <a:schemeClr val="accent4">
                   <a:lumMod val="75000"/>
                 </a:schemeClr>
               </a:solidFill>
-              <a:latin typeface="Century Gothic" panose="020B0502020202020204" pitchFamily="34" charset="0"/>
             </a:endParaRPr>
           </a:p>
         </p:txBody>
       </p:sp>
-      <p:sp>
-        <p:nvSpPr>
-          <p:cNvPr id="3" name="Content Placeholder 2"/>
-          <p:cNvSpPr>
-            <a:spLocks noGrp="1"/>
-          </p:cNvSpPr>
+      <p:pic>
+        <p:nvPicPr>
+          <p:cNvPr id="5" name="Content Placeholder 4" descr="Quill_(PSF).png"/>
+          <p:cNvPicPr>
+            <a:picLocks noGrp="1" noChangeAspect="1"/>
+          </p:cNvPicPr>
           <p:nvPr>
             <p:ph idx="1"/>
           </p:nvPr>
-        </p:nvSpPr>
+        </p:nvPicPr>
+        <p:blipFill>
+          <a:blip r:embed="rId2"/>
+          <a:stretch>
+            <a:fillRect/>
+          </a:stretch>
+        </p:blipFill>
         <p:spPr>
           <a:xfrm>
-            <a:off x="1598611" y="2044699"/>
-            <a:ext cx="10018713" cy="3124201"/>
+            <a:off x="1828800" y="1384663"/>
+            <a:ext cx="8451669" cy="5212079"/>
           </a:xfrm>
         </p:spPr>
-        <p:txBody>
-          <a:bodyPr>
-            <a:noAutofit/>
-          </a:bodyPr>
-          <a:lstStyle/>
-          <a:p>
-            <a:pPr>
-              <a:buFont typeface="Wingdings" panose="05000000000000000000" pitchFamily="2" charset="2"/>
-              <a:buChar char="v"/>
-            </a:pPr>
-            <a:r>
-              <a:rPr lang="en-US" sz="2800" dirty="0" smtClean="0">
-                <a:effectLst>
-                  <a:outerShdw blurRad="38100" dist="38100" dir="2700000" algn="tl">
-                    <a:srgbClr val="000000">
-                      <a:alpha val="43137"/>
-                    </a:srgbClr>
-                  </a:outerShdw>
-                </a:effectLst>
-                <a:latin typeface="Century Gothic" panose="020B0502020202020204" pitchFamily="34" charset="0"/>
-              </a:rPr>
-              <a:t>It will be an online Application to Manage Notice System.</a:t>
-            </a:r>
-            <a:endParaRPr lang="en-US" dirty="0" smtClean="0">
-              <a:effectLst>
-                <a:outerShdw blurRad="38100" dist="38100" dir="2700000" algn="tl">
-                  <a:srgbClr val="000000">
-                    <a:alpha val="43137"/>
-                  </a:srgbClr>
-                </a:outerShdw>
-              </a:effectLst>
-              <a:latin typeface="Century Gothic" panose="020B0502020202020204" pitchFamily="34" charset="0"/>
-            </a:endParaRPr>
-          </a:p>
-          <a:p>
-            <a:pPr>
-              <a:buFont typeface="Wingdings" panose="05000000000000000000" pitchFamily="2" charset="2"/>
-              <a:buChar char="v"/>
-            </a:pPr>
-            <a:r>
-              <a:rPr lang="en-US" sz="2800" dirty="0" smtClean="0">
-                <a:effectLst>
-                  <a:outerShdw blurRad="38100" dist="38100" dir="2700000" algn="tl">
-                    <a:srgbClr val="000000">
-                      <a:alpha val="43137"/>
-                    </a:srgbClr>
-                  </a:outerShdw>
-                </a:effectLst>
-                <a:latin typeface="Century Gothic" panose="020B0502020202020204" pitchFamily="34" charset="0"/>
-              </a:rPr>
-              <a:t>It will be addition to current Notice system but with Higher efficiency and accessibility </a:t>
-            </a:r>
-            <a:endParaRPr lang="en-US" dirty="0">
-              <a:effectLst>
-                <a:outerShdw blurRad="38100" dist="38100" dir="2700000" algn="tl">
-                  <a:srgbClr val="000000">
-                    <a:alpha val="43137"/>
-                  </a:srgbClr>
-                </a:outerShdw>
-              </a:effectLst>
-              <a:latin typeface="Century Gothic" panose="020B0502020202020204" pitchFamily="34" charset="0"/>
-            </a:endParaRPr>
-          </a:p>
-          <a:p>
-            <a:pPr>
-              <a:buFont typeface="Wingdings" panose="05000000000000000000" pitchFamily="2" charset="2"/>
-              <a:buChar char="v"/>
-            </a:pPr>
-            <a:r>
-              <a:rPr lang="en-US" sz="2800" dirty="0" smtClean="0">
-                <a:effectLst>
-                  <a:outerShdw blurRad="38100" dist="38100" dir="2700000" algn="tl">
-                    <a:srgbClr val="000000">
-                      <a:alpha val="43137"/>
-                    </a:srgbClr>
-                  </a:outerShdw>
-                </a:effectLst>
-                <a:latin typeface="Century Gothic" panose="020B0502020202020204" pitchFamily="34" charset="0"/>
-              </a:rPr>
-              <a:t>It will be live by the end of July</a:t>
-            </a:r>
-          </a:p>
-          <a:p>
-            <a:pPr>
-              <a:buFont typeface="Wingdings" panose="05000000000000000000" pitchFamily="2" charset="2"/>
-              <a:buChar char="v"/>
-            </a:pPr>
-            <a:r>
-              <a:rPr lang="en-US" dirty="0" smtClean="0">
-                <a:effectLst>
-                  <a:outerShdw blurRad="38100" dist="38100" dir="2700000" algn="tl">
-                    <a:srgbClr val="000000">
-                      <a:alpha val="43137"/>
-                    </a:srgbClr>
-                  </a:outerShdw>
-                </a:effectLst>
-                <a:latin typeface="Century Gothic" panose="020B0502020202020204" pitchFamily="34" charset="0"/>
-              </a:rPr>
-              <a:t>It can be run in any device with Browser and connection to Internet</a:t>
-            </a:r>
-            <a:endParaRPr lang="en-US" sz="2800" dirty="0" smtClean="0">
-              <a:effectLst>
-                <a:outerShdw blurRad="38100" dist="38100" dir="2700000" algn="tl">
-                  <a:srgbClr val="000000">
-                    <a:alpha val="43137"/>
-                  </a:srgbClr>
-                </a:outerShdw>
-              </a:effectLst>
-              <a:latin typeface="Century Gothic" panose="020B0502020202020204" pitchFamily="34" charset="0"/>
-            </a:endParaRPr>
-          </a:p>
-        </p:txBody>
-      </p:sp>
+      </p:pic>
       <p:sp>
         <p:nvSpPr>
           <p:cNvPr id="4" name="Slide Number Placeholder 3"/>
@@ -5775,7 +5930,7 @@
     </p:spTree>
     <p:extLst>
       <p:ext uri="{BB962C8B-B14F-4D97-AF65-F5344CB8AC3E}">
-        <p14:creationId xmlns="" xmlns:p14="http://schemas.microsoft.com/office/powerpoint/2010/main" val="3056153448"/>
+        <p14:creationId xmlns:p14="http://schemas.microsoft.com/office/powerpoint/2010/main" val="3730277317"/>
       </p:ext>
     </p:extLst>
   </p:cSld>
@@ -6334,7 +6489,7 @@
   <a:extraClrSchemeLst/>
   <a:extLst>
     <a:ext uri="{05A4C25C-085E-4340-85A3-A5531E510DB2}">
-      <thm15:themeFamily xmlns="" xmlns:thm15="http://schemas.microsoft.com/office/thememl/2012/main" name="Office Theme" id="{62F939B6-93AF-4DB8-9C6B-D6C7DFDC589F}" vid="{4A3C46E8-61CC-4603-A589-7422A47A8E4A}"/>
+      <thm15:themeFamily xmlns:thm15="http://schemas.microsoft.com/office/thememl/2012/main" name="Office Theme" id="{62F939B6-93AF-4DB8-9C6B-D6C7DFDC589F}" vid="{4A3C46E8-61CC-4603-A589-7422A47A8E4A}"/>
     </a:ext>
   </a:extLst>
 </a:theme>
